--- a/Tutorials/NetTodoApp-Part3-EFC/Resources/Presentation1.pptx
+++ b/Tutorials/NetTodoApp-Part3-EFC/Resources/Presentation1.pptx
@@ -6,6 +6,8 @@
   </p:sldMasterIdLst>
   <p:sldIdLst>
     <p:sldId id="256" r:id="rId2"/>
+    <p:sldId id="257" r:id="rId3"/>
+    <p:sldId id="258" r:id="rId4"/>
   </p:sldIdLst>
   <p:sldSz cx="12192000" cy="6858000"/>
   <p:notesSz cx="6858000" cy="9144000"/>
@@ -104,6 +106,11 @@
       </a:defRPr>
     </a:lvl9pPr>
   </p:defaultTextStyle>
+  <p:extLst>
+    <p:ext uri="{EFAFB233-063F-42B5-8137-9DF3F51BA10A}">
+      <p15:sldGuideLst xmlns:p15="http://schemas.microsoft.com/office/powerpoint/2012/main"/>
+    </p:ext>
+  </p:extLst>
 </p:presentation>
 </file>
 
@@ -256,7 +263,7 @@
           <a:p>
             <a:fld id="{BC140900-0BB1-485B-BB8B-F698776A9521}" type="datetimeFigureOut">
               <a:rPr lang="en-GB" smtClean="0"/>
-              <a:t>06/10/2022</a:t>
+              <a:t>27/10/2022</a:t>
             </a:fld>
             <a:endParaRPr lang="en-GB"/>
           </a:p>
@@ -456,7 +463,7 @@
           <a:p>
             <a:fld id="{BC140900-0BB1-485B-BB8B-F698776A9521}" type="datetimeFigureOut">
               <a:rPr lang="en-GB" smtClean="0"/>
-              <a:t>06/10/2022</a:t>
+              <a:t>27/10/2022</a:t>
             </a:fld>
             <a:endParaRPr lang="en-GB"/>
           </a:p>
@@ -666,7 +673,7 @@
           <a:p>
             <a:fld id="{BC140900-0BB1-485B-BB8B-F698776A9521}" type="datetimeFigureOut">
               <a:rPr lang="en-GB" smtClean="0"/>
-              <a:t>06/10/2022</a:t>
+              <a:t>27/10/2022</a:t>
             </a:fld>
             <a:endParaRPr lang="en-GB"/>
           </a:p>
@@ -866,7 +873,7 @@
           <a:p>
             <a:fld id="{BC140900-0BB1-485B-BB8B-F698776A9521}" type="datetimeFigureOut">
               <a:rPr lang="en-GB" smtClean="0"/>
-              <a:t>06/10/2022</a:t>
+              <a:t>27/10/2022</a:t>
             </a:fld>
             <a:endParaRPr lang="en-GB"/>
           </a:p>
@@ -1142,7 +1149,7 @@
           <a:p>
             <a:fld id="{BC140900-0BB1-485B-BB8B-F698776A9521}" type="datetimeFigureOut">
               <a:rPr lang="en-GB" smtClean="0"/>
-              <a:t>06/10/2022</a:t>
+              <a:t>27/10/2022</a:t>
             </a:fld>
             <a:endParaRPr lang="en-GB"/>
           </a:p>
@@ -1410,7 +1417,7 @@
           <a:p>
             <a:fld id="{BC140900-0BB1-485B-BB8B-F698776A9521}" type="datetimeFigureOut">
               <a:rPr lang="en-GB" smtClean="0"/>
-              <a:t>06/10/2022</a:t>
+              <a:t>27/10/2022</a:t>
             </a:fld>
             <a:endParaRPr lang="en-GB"/>
           </a:p>
@@ -1825,7 +1832,7 @@
           <a:p>
             <a:fld id="{BC140900-0BB1-485B-BB8B-F698776A9521}" type="datetimeFigureOut">
               <a:rPr lang="en-GB" smtClean="0"/>
-              <a:t>06/10/2022</a:t>
+              <a:t>27/10/2022</a:t>
             </a:fld>
             <a:endParaRPr lang="en-GB"/>
           </a:p>
@@ -1967,7 +1974,7 @@
           <a:p>
             <a:fld id="{BC140900-0BB1-485B-BB8B-F698776A9521}" type="datetimeFigureOut">
               <a:rPr lang="en-GB" smtClean="0"/>
-              <a:t>06/10/2022</a:t>
+              <a:t>27/10/2022</a:t>
             </a:fld>
             <a:endParaRPr lang="en-GB"/>
           </a:p>
@@ -2080,7 +2087,7 @@
           <a:p>
             <a:fld id="{BC140900-0BB1-485B-BB8B-F698776A9521}" type="datetimeFigureOut">
               <a:rPr lang="en-GB" smtClean="0"/>
-              <a:t>06/10/2022</a:t>
+              <a:t>27/10/2022</a:t>
             </a:fld>
             <a:endParaRPr lang="en-GB"/>
           </a:p>
@@ -2393,7 +2400,7 @@
           <a:p>
             <a:fld id="{BC140900-0BB1-485B-BB8B-F698776A9521}" type="datetimeFigureOut">
               <a:rPr lang="en-GB" smtClean="0"/>
-              <a:t>06/10/2022</a:t>
+              <a:t>27/10/2022</a:t>
             </a:fld>
             <a:endParaRPr lang="en-GB"/>
           </a:p>
@@ -2682,7 +2689,7 @@
           <a:p>
             <a:fld id="{BC140900-0BB1-485B-BB8B-F698776A9521}" type="datetimeFigureOut">
               <a:rPr lang="en-GB" smtClean="0"/>
-              <a:t>06/10/2022</a:t>
+              <a:t>27/10/2022</a:t>
             </a:fld>
             <a:endParaRPr lang="en-GB"/>
           </a:p>
@@ -2925,7 +2932,7 @@
           <a:p>
             <a:fld id="{BC140900-0BB1-485B-BB8B-F698776A9521}" type="datetimeFigureOut">
               <a:rPr lang="en-GB" smtClean="0"/>
-              <a:t>06/10/2022</a:t>
+              <a:t>27/10/2022</a:t>
             </a:fld>
             <a:endParaRPr lang="en-GB"/>
           </a:p>
@@ -4539,6 +4546,1110 @@
 </p:sld>
 </file>
 
+<file path=ppt/slides/slide2.xml><?xml version="1.0" encoding="utf-8"?>
+<p:sld xmlns:a="http://schemas.openxmlformats.org/drawingml/2006/main" xmlns:r="http://schemas.openxmlformats.org/officeDocument/2006/relationships" xmlns:p="http://schemas.openxmlformats.org/presentationml/2006/main">
+  <p:cSld>
+    <p:spTree>
+      <p:nvGrpSpPr>
+        <p:cNvPr id="1" name=""/>
+        <p:cNvGrpSpPr/>
+        <p:nvPr/>
+      </p:nvGrpSpPr>
+      <p:grpSpPr>
+        <a:xfrm>
+          <a:off x="0" y="0"/>
+          <a:ext cx="0" cy="0"/>
+          <a:chOff x="0" y="0"/>
+          <a:chExt cx="0" cy="0"/>
+        </a:xfrm>
+      </p:grpSpPr>
+      <p:pic>
+        <p:nvPicPr>
+          <p:cNvPr id="5" name="Graphic 4">
+            <a:extLst>
+              <a:ext uri="{FF2B5EF4-FFF2-40B4-BE49-F238E27FC236}">
+                <a16:creationId xmlns:a16="http://schemas.microsoft.com/office/drawing/2014/main" id="{AB8FD7EA-C438-4B54-8C1F-B080C66DC16E}"/>
+              </a:ext>
+            </a:extLst>
+          </p:cNvPr>
+          <p:cNvPicPr>
+            <a:picLocks noChangeAspect="1"/>
+          </p:cNvPicPr>
+          <p:nvPr/>
+        </p:nvPicPr>
+        <p:blipFill>
+          <a:blip r:embed="rId2">
+            <a:extLst>
+              <a:ext uri="{28A0092B-C50C-407E-A947-70E740481C1C}">
+                <a14:useLocalDpi xmlns:a14="http://schemas.microsoft.com/office/drawing/2010/main" val="0"/>
+              </a:ext>
+              <a:ext uri="{96DAC541-7B7A-43D3-8B79-37D633B846F1}">
+                <asvg:svgBlip xmlns:asvg="http://schemas.microsoft.com/office/drawing/2016/SVG/main" r:embed="rId3"/>
+              </a:ext>
+            </a:extLst>
+          </a:blip>
+          <a:stretch>
+            <a:fillRect/>
+          </a:stretch>
+        </p:blipFill>
+        <p:spPr>
+          <a:xfrm>
+            <a:off x="4491875" y="128771"/>
+            <a:ext cx="3208249" cy="6600457"/>
+          </a:xfrm>
+          <a:prstGeom prst="rect">
+            <a:avLst/>
+          </a:prstGeom>
+        </p:spPr>
+      </p:pic>
+      <p:sp>
+        <p:nvSpPr>
+          <p:cNvPr id="6" name="Freeform: Shape 5">
+            <a:extLst>
+              <a:ext uri="{FF2B5EF4-FFF2-40B4-BE49-F238E27FC236}">
+                <a16:creationId xmlns:a16="http://schemas.microsoft.com/office/drawing/2014/main" id="{11C457BD-649F-4D67-9424-11665F7F5AA2}"/>
+              </a:ext>
+            </a:extLst>
+          </p:cNvPr>
+          <p:cNvSpPr/>
+          <p:nvPr/>
+        </p:nvSpPr>
+        <p:spPr>
+          <a:xfrm>
+            <a:off x="4734326" y="374521"/>
+            <a:ext cx="2834794" cy="6342515"/>
+          </a:xfrm>
+          <a:custGeom>
+            <a:avLst/>
+            <a:gdLst>
+              <a:gd name="connsiteX0" fmla="*/ 1335686 w 2822968"/>
+              <a:gd name="connsiteY0" fmla="*/ 67252 h 6903854"/>
+              <a:gd name="connsiteX1" fmla="*/ 772351 w 2822968"/>
+              <a:gd name="connsiteY1" fmla="*/ 230537 h 6903854"/>
+              <a:gd name="connsiteX2" fmla="*/ 94715 w 2822968"/>
+              <a:gd name="connsiteY2" fmla="*/ 1700109 h 6903854"/>
+              <a:gd name="connsiteX3" fmla="*/ 86551 w 2822968"/>
+              <a:gd name="connsiteY3" fmla="*/ 3039052 h 6903854"/>
+              <a:gd name="connsiteX4" fmla="*/ 853994 w 2822968"/>
+              <a:gd name="connsiteY4" fmla="*/ 3088037 h 6903854"/>
+              <a:gd name="connsiteX5" fmla="*/ 1376508 w 2822968"/>
+              <a:gd name="connsiteY5" fmla="*/ 3365623 h 6903854"/>
+              <a:gd name="connsiteX6" fmla="*/ 1401001 w 2822968"/>
+              <a:gd name="connsiteY6" fmla="*/ 5300559 h 6903854"/>
+              <a:gd name="connsiteX7" fmla="*/ 845829 w 2822968"/>
+              <a:gd name="connsiteY7" fmla="*/ 6157809 h 6903854"/>
+              <a:gd name="connsiteX8" fmla="*/ 1074429 w 2822968"/>
+              <a:gd name="connsiteY8" fmla="*/ 6688487 h 6903854"/>
+              <a:gd name="connsiteX9" fmla="*/ 2282744 w 2822968"/>
+              <a:gd name="connsiteY9" fmla="*/ 6566023 h 6903854"/>
+              <a:gd name="connsiteX10" fmla="*/ 2821586 w 2822968"/>
+              <a:gd name="connsiteY10" fmla="*/ 2867602 h 6903854"/>
+              <a:gd name="connsiteX11" fmla="*/ 2143951 w 2822968"/>
+              <a:gd name="connsiteY11" fmla="*/ 410152 h 6903854"/>
+              <a:gd name="connsiteX12" fmla="*/ 1058101 w 2822968"/>
+              <a:gd name="connsiteY12" fmla="*/ 26430 h 6903854"/>
+              <a:gd name="connsiteX0" fmla="*/ 1304240 w 2791522"/>
+              <a:gd name="connsiteY0" fmla="*/ 67252 h 6903854"/>
+              <a:gd name="connsiteX1" fmla="*/ 740905 w 2791522"/>
+              <a:gd name="connsiteY1" fmla="*/ 230537 h 6903854"/>
+              <a:gd name="connsiteX2" fmla="*/ 63269 w 2791522"/>
+              <a:gd name="connsiteY2" fmla="*/ 1700109 h 6903854"/>
+              <a:gd name="connsiteX3" fmla="*/ 55105 w 2791522"/>
+              <a:gd name="connsiteY3" fmla="*/ 3039052 h 6903854"/>
+              <a:gd name="connsiteX4" fmla="*/ 291869 w 2791522"/>
+              <a:gd name="connsiteY4" fmla="*/ 3773837 h 6903854"/>
+              <a:gd name="connsiteX5" fmla="*/ 1345062 w 2791522"/>
+              <a:gd name="connsiteY5" fmla="*/ 3365623 h 6903854"/>
+              <a:gd name="connsiteX6" fmla="*/ 1369555 w 2791522"/>
+              <a:gd name="connsiteY6" fmla="*/ 5300559 h 6903854"/>
+              <a:gd name="connsiteX7" fmla="*/ 814383 w 2791522"/>
+              <a:gd name="connsiteY7" fmla="*/ 6157809 h 6903854"/>
+              <a:gd name="connsiteX8" fmla="*/ 1042983 w 2791522"/>
+              <a:gd name="connsiteY8" fmla="*/ 6688487 h 6903854"/>
+              <a:gd name="connsiteX9" fmla="*/ 2251298 w 2791522"/>
+              <a:gd name="connsiteY9" fmla="*/ 6566023 h 6903854"/>
+              <a:gd name="connsiteX10" fmla="*/ 2790140 w 2791522"/>
+              <a:gd name="connsiteY10" fmla="*/ 2867602 h 6903854"/>
+              <a:gd name="connsiteX11" fmla="*/ 2112505 w 2791522"/>
+              <a:gd name="connsiteY11" fmla="*/ 410152 h 6903854"/>
+              <a:gd name="connsiteX12" fmla="*/ 1026655 w 2791522"/>
+              <a:gd name="connsiteY12" fmla="*/ 26430 h 6903854"/>
+              <a:gd name="connsiteX0" fmla="*/ 1304240 w 2791522"/>
+              <a:gd name="connsiteY0" fmla="*/ 67252 h 6903854"/>
+              <a:gd name="connsiteX1" fmla="*/ 740905 w 2791522"/>
+              <a:gd name="connsiteY1" fmla="*/ 230537 h 6903854"/>
+              <a:gd name="connsiteX2" fmla="*/ 63269 w 2791522"/>
+              <a:gd name="connsiteY2" fmla="*/ 1700109 h 6903854"/>
+              <a:gd name="connsiteX3" fmla="*/ 55105 w 2791522"/>
+              <a:gd name="connsiteY3" fmla="*/ 3039052 h 6903854"/>
+              <a:gd name="connsiteX4" fmla="*/ 291869 w 2791522"/>
+              <a:gd name="connsiteY4" fmla="*/ 3773837 h 6903854"/>
+              <a:gd name="connsiteX5" fmla="*/ 1173612 w 2791522"/>
+              <a:gd name="connsiteY5" fmla="*/ 3879973 h 6903854"/>
+              <a:gd name="connsiteX6" fmla="*/ 1369555 w 2791522"/>
+              <a:gd name="connsiteY6" fmla="*/ 5300559 h 6903854"/>
+              <a:gd name="connsiteX7" fmla="*/ 814383 w 2791522"/>
+              <a:gd name="connsiteY7" fmla="*/ 6157809 h 6903854"/>
+              <a:gd name="connsiteX8" fmla="*/ 1042983 w 2791522"/>
+              <a:gd name="connsiteY8" fmla="*/ 6688487 h 6903854"/>
+              <a:gd name="connsiteX9" fmla="*/ 2251298 w 2791522"/>
+              <a:gd name="connsiteY9" fmla="*/ 6566023 h 6903854"/>
+              <a:gd name="connsiteX10" fmla="*/ 2790140 w 2791522"/>
+              <a:gd name="connsiteY10" fmla="*/ 2867602 h 6903854"/>
+              <a:gd name="connsiteX11" fmla="*/ 2112505 w 2791522"/>
+              <a:gd name="connsiteY11" fmla="*/ 410152 h 6903854"/>
+              <a:gd name="connsiteX12" fmla="*/ 1026655 w 2791522"/>
+              <a:gd name="connsiteY12" fmla="*/ 26430 h 6903854"/>
+              <a:gd name="connsiteX0" fmla="*/ 1304240 w 2791522"/>
+              <a:gd name="connsiteY0" fmla="*/ 67252 h 6904440"/>
+              <a:gd name="connsiteX1" fmla="*/ 740905 w 2791522"/>
+              <a:gd name="connsiteY1" fmla="*/ 230537 h 6904440"/>
+              <a:gd name="connsiteX2" fmla="*/ 63269 w 2791522"/>
+              <a:gd name="connsiteY2" fmla="*/ 1700109 h 6904440"/>
+              <a:gd name="connsiteX3" fmla="*/ 55105 w 2791522"/>
+              <a:gd name="connsiteY3" fmla="*/ 3039052 h 6904440"/>
+              <a:gd name="connsiteX4" fmla="*/ 291869 w 2791522"/>
+              <a:gd name="connsiteY4" fmla="*/ 3773837 h 6904440"/>
+              <a:gd name="connsiteX5" fmla="*/ 1173612 w 2791522"/>
+              <a:gd name="connsiteY5" fmla="*/ 3879973 h 6904440"/>
+              <a:gd name="connsiteX6" fmla="*/ 1369555 w 2791522"/>
+              <a:gd name="connsiteY6" fmla="*/ 5300559 h 6904440"/>
+              <a:gd name="connsiteX7" fmla="*/ 1331741 w 2791522"/>
+              <a:gd name="connsiteY7" fmla="*/ 6145777 h 6904440"/>
+              <a:gd name="connsiteX8" fmla="*/ 1042983 w 2791522"/>
+              <a:gd name="connsiteY8" fmla="*/ 6688487 h 6904440"/>
+              <a:gd name="connsiteX9" fmla="*/ 2251298 w 2791522"/>
+              <a:gd name="connsiteY9" fmla="*/ 6566023 h 6904440"/>
+              <a:gd name="connsiteX10" fmla="*/ 2790140 w 2791522"/>
+              <a:gd name="connsiteY10" fmla="*/ 2867602 h 6904440"/>
+              <a:gd name="connsiteX11" fmla="*/ 2112505 w 2791522"/>
+              <a:gd name="connsiteY11" fmla="*/ 410152 h 6904440"/>
+              <a:gd name="connsiteX12" fmla="*/ 1026655 w 2791522"/>
+              <a:gd name="connsiteY12" fmla="*/ 26430 h 6904440"/>
+              <a:gd name="connsiteX0" fmla="*/ 1304240 w 2791173"/>
+              <a:gd name="connsiteY0" fmla="*/ 67252 h 6914993"/>
+              <a:gd name="connsiteX1" fmla="*/ 740905 w 2791173"/>
+              <a:gd name="connsiteY1" fmla="*/ 230537 h 6914993"/>
+              <a:gd name="connsiteX2" fmla="*/ 63269 w 2791173"/>
+              <a:gd name="connsiteY2" fmla="*/ 1700109 h 6914993"/>
+              <a:gd name="connsiteX3" fmla="*/ 55105 w 2791173"/>
+              <a:gd name="connsiteY3" fmla="*/ 3039052 h 6914993"/>
+              <a:gd name="connsiteX4" fmla="*/ 291869 w 2791173"/>
+              <a:gd name="connsiteY4" fmla="*/ 3773837 h 6914993"/>
+              <a:gd name="connsiteX5" fmla="*/ 1173612 w 2791173"/>
+              <a:gd name="connsiteY5" fmla="*/ 3879973 h 6914993"/>
+              <a:gd name="connsiteX6" fmla="*/ 1369555 w 2791173"/>
+              <a:gd name="connsiteY6" fmla="*/ 5300559 h 6914993"/>
+              <a:gd name="connsiteX7" fmla="*/ 1331741 w 2791173"/>
+              <a:gd name="connsiteY7" fmla="*/ 6145777 h 6914993"/>
+              <a:gd name="connsiteX8" fmla="*/ 1644562 w 2791173"/>
+              <a:gd name="connsiteY8" fmla="*/ 6712550 h 6914993"/>
+              <a:gd name="connsiteX9" fmla="*/ 2251298 w 2791173"/>
+              <a:gd name="connsiteY9" fmla="*/ 6566023 h 6914993"/>
+              <a:gd name="connsiteX10" fmla="*/ 2790140 w 2791173"/>
+              <a:gd name="connsiteY10" fmla="*/ 2867602 h 6914993"/>
+              <a:gd name="connsiteX11" fmla="*/ 2112505 w 2791173"/>
+              <a:gd name="connsiteY11" fmla="*/ 410152 h 6914993"/>
+              <a:gd name="connsiteX12" fmla="*/ 1026655 w 2791173"/>
+              <a:gd name="connsiteY12" fmla="*/ 26430 h 6914993"/>
+              <a:gd name="connsiteX0" fmla="*/ 1304240 w 2791173"/>
+              <a:gd name="connsiteY0" fmla="*/ 67252 h 6914993"/>
+              <a:gd name="connsiteX1" fmla="*/ 740905 w 2791173"/>
+              <a:gd name="connsiteY1" fmla="*/ 230537 h 6914993"/>
+              <a:gd name="connsiteX2" fmla="*/ 63269 w 2791173"/>
+              <a:gd name="connsiteY2" fmla="*/ 1700109 h 6914993"/>
+              <a:gd name="connsiteX3" fmla="*/ 55105 w 2791173"/>
+              <a:gd name="connsiteY3" fmla="*/ 3039052 h 6914993"/>
+              <a:gd name="connsiteX4" fmla="*/ 291869 w 2791173"/>
+              <a:gd name="connsiteY4" fmla="*/ 3773837 h 6914993"/>
+              <a:gd name="connsiteX5" fmla="*/ 1245802 w 2791173"/>
+              <a:gd name="connsiteY5" fmla="*/ 3879973 h 6914993"/>
+              <a:gd name="connsiteX6" fmla="*/ 1369555 w 2791173"/>
+              <a:gd name="connsiteY6" fmla="*/ 5300559 h 6914993"/>
+              <a:gd name="connsiteX7" fmla="*/ 1331741 w 2791173"/>
+              <a:gd name="connsiteY7" fmla="*/ 6145777 h 6914993"/>
+              <a:gd name="connsiteX8" fmla="*/ 1644562 w 2791173"/>
+              <a:gd name="connsiteY8" fmla="*/ 6712550 h 6914993"/>
+              <a:gd name="connsiteX9" fmla="*/ 2251298 w 2791173"/>
+              <a:gd name="connsiteY9" fmla="*/ 6566023 h 6914993"/>
+              <a:gd name="connsiteX10" fmla="*/ 2790140 w 2791173"/>
+              <a:gd name="connsiteY10" fmla="*/ 2867602 h 6914993"/>
+              <a:gd name="connsiteX11" fmla="*/ 2112505 w 2791173"/>
+              <a:gd name="connsiteY11" fmla="*/ 410152 h 6914993"/>
+              <a:gd name="connsiteX12" fmla="*/ 1026655 w 2791173"/>
+              <a:gd name="connsiteY12" fmla="*/ 26430 h 6914993"/>
+              <a:gd name="connsiteX0" fmla="*/ 1304240 w 2791173"/>
+              <a:gd name="connsiteY0" fmla="*/ 67252 h 6914993"/>
+              <a:gd name="connsiteX1" fmla="*/ 740905 w 2791173"/>
+              <a:gd name="connsiteY1" fmla="*/ 230537 h 6914993"/>
+              <a:gd name="connsiteX2" fmla="*/ 63269 w 2791173"/>
+              <a:gd name="connsiteY2" fmla="*/ 1700109 h 6914993"/>
+              <a:gd name="connsiteX3" fmla="*/ 55105 w 2791173"/>
+              <a:gd name="connsiteY3" fmla="*/ 3039052 h 6914993"/>
+              <a:gd name="connsiteX4" fmla="*/ 291869 w 2791173"/>
+              <a:gd name="connsiteY4" fmla="*/ 3773837 h 6914993"/>
+              <a:gd name="connsiteX5" fmla="*/ 1245802 w 2791173"/>
+              <a:gd name="connsiteY5" fmla="*/ 3879973 h 6914993"/>
+              <a:gd name="connsiteX6" fmla="*/ 1369555 w 2791173"/>
+              <a:gd name="connsiteY6" fmla="*/ 5300559 h 6914993"/>
+              <a:gd name="connsiteX7" fmla="*/ 1331741 w 2791173"/>
+              <a:gd name="connsiteY7" fmla="*/ 6145777 h 6914993"/>
+              <a:gd name="connsiteX8" fmla="*/ 1644562 w 2791173"/>
+              <a:gd name="connsiteY8" fmla="*/ 6712550 h 6914993"/>
+              <a:gd name="connsiteX9" fmla="*/ 2251298 w 2791173"/>
+              <a:gd name="connsiteY9" fmla="*/ 6566023 h 6914993"/>
+              <a:gd name="connsiteX10" fmla="*/ 2790140 w 2791173"/>
+              <a:gd name="connsiteY10" fmla="*/ 2867602 h 6914993"/>
+              <a:gd name="connsiteX11" fmla="*/ 2112505 w 2791173"/>
+              <a:gd name="connsiteY11" fmla="*/ 410152 h 6914993"/>
+              <a:gd name="connsiteX12" fmla="*/ 1026655 w 2791173"/>
+              <a:gd name="connsiteY12" fmla="*/ 26430 h 6914993"/>
+              <a:gd name="connsiteX0" fmla="*/ 1304240 w 2791173"/>
+              <a:gd name="connsiteY0" fmla="*/ 67252 h 6914993"/>
+              <a:gd name="connsiteX1" fmla="*/ 740905 w 2791173"/>
+              <a:gd name="connsiteY1" fmla="*/ 230537 h 6914993"/>
+              <a:gd name="connsiteX2" fmla="*/ 63269 w 2791173"/>
+              <a:gd name="connsiteY2" fmla="*/ 1700109 h 6914993"/>
+              <a:gd name="connsiteX3" fmla="*/ 55105 w 2791173"/>
+              <a:gd name="connsiteY3" fmla="*/ 3039052 h 6914993"/>
+              <a:gd name="connsiteX4" fmla="*/ 291869 w 2791173"/>
+              <a:gd name="connsiteY4" fmla="*/ 3773837 h 6914993"/>
+              <a:gd name="connsiteX5" fmla="*/ 1245802 w 2791173"/>
+              <a:gd name="connsiteY5" fmla="*/ 3879973 h 6914993"/>
+              <a:gd name="connsiteX6" fmla="*/ 1537997 w 2791173"/>
+              <a:gd name="connsiteY6" fmla="*/ 5252432 h 6914993"/>
+              <a:gd name="connsiteX7" fmla="*/ 1331741 w 2791173"/>
+              <a:gd name="connsiteY7" fmla="*/ 6145777 h 6914993"/>
+              <a:gd name="connsiteX8" fmla="*/ 1644562 w 2791173"/>
+              <a:gd name="connsiteY8" fmla="*/ 6712550 h 6914993"/>
+              <a:gd name="connsiteX9" fmla="*/ 2251298 w 2791173"/>
+              <a:gd name="connsiteY9" fmla="*/ 6566023 h 6914993"/>
+              <a:gd name="connsiteX10" fmla="*/ 2790140 w 2791173"/>
+              <a:gd name="connsiteY10" fmla="*/ 2867602 h 6914993"/>
+              <a:gd name="connsiteX11" fmla="*/ 2112505 w 2791173"/>
+              <a:gd name="connsiteY11" fmla="*/ 410152 h 6914993"/>
+              <a:gd name="connsiteX12" fmla="*/ 1026655 w 2791173"/>
+              <a:gd name="connsiteY12" fmla="*/ 26430 h 6914993"/>
+              <a:gd name="connsiteX0" fmla="*/ 1304240 w 2791173"/>
+              <a:gd name="connsiteY0" fmla="*/ 67252 h 6914385"/>
+              <a:gd name="connsiteX1" fmla="*/ 740905 w 2791173"/>
+              <a:gd name="connsiteY1" fmla="*/ 230537 h 6914385"/>
+              <a:gd name="connsiteX2" fmla="*/ 63269 w 2791173"/>
+              <a:gd name="connsiteY2" fmla="*/ 1700109 h 6914385"/>
+              <a:gd name="connsiteX3" fmla="*/ 55105 w 2791173"/>
+              <a:gd name="connsiteY3" fmla="*/ 3039052 h 6914385"/>
+              <a:gd name="connsiteX4" fmla="*/ 291869 w 2791173"/>
+              <a:gd name="connsiteY4" fmla="*/ 3773837 h 6914385"/>
+              <a:gd name="connsiteX5" fmla="*/ 1245802 w 2791173"/>
+              <a:gd name="connsiteY5" fmla="*/ 3879973 h 6914385"/>
+              <a:gd name="connsiteX6" fmla="*/ 1537997 w 2791173"/>
+              <a:gd name="connsiteY6" fmla="*/ 5252432 h 6914385"/>
+              <a:gd name="connsiteX7" fmla="*/ 1488152 w 2791173"/>
+              <a:gd name="connsiteY7" fmla="*/ 6157808 h 6914385"/>
+              <a:gd name="connsiteX8" fmla="*/ 1644562 w 2791173"/>
+              <a:gd name="connsiteY8" fmla="*/ 6712550 h 6914385"/>
+              <a:gd name="connsiteX9" fmla="*/ 2251298 w 2791173"/>
+              <a:gd name="connsiteY9" fmla="*/ 6566023 h 6914385"/>
+              <a:gd name="connsiteX10" fmla="*/ 2790140 w 2791173"/>
+              <a:gd name="connsiteY10" fmla="*/ 2867602 h 6914385"/>
+              <a:gd name="connsiteX11" fmla="*/ 2112505 w 2791173"/>
+              <a:gd name="connsiteY11" fmla="*/ 410152 h 6914385"/>
+              <a:gd name="connsiteX12" fmla="*/ 1026655 w 2791173"/>
+              <a:gd name="connsiteY12" fmla="*/ 26430 h 6914385"/>
+              <a:gd name="connsiteX0" fmla="*/ 1304240 w 2888858"/>
+              <a:gd name="connsiteY0" fmla="*/ 67252 h 6803962"/>
+              <a:gd name="connsiteX1" fmla="*/ 740905 w 2888858"/>
+              <a:gd name="connsiteY1" fmla="*/ 230537 h 6803962"/>
+              <a:gd name="connsiteX2" fmla="*/ 63269 w 2888858"/>
+              <a:gd name="connsiteY2" fmla="*/ 1700109 h 6803962"/>
+              <a:gd name="connsiteX3" fmla="*/ 55105 w 2888858"/>
+              <a:gd name="connsiteY3" fmla="*/ 3039052 h 6803962"/>
+              <a:gd name="connsiteX4" fmla="*/ 291869 w 2888858"/>
+              <a:gd name="connsiteY4" fmla="*/ 3773837 h 6803962"/>
+              <a:gd name="connsiteX5" fmla="*/ 1245802 w 2888858"/>
+              <a:gd name="connsiteY5" fmla="*/ 3879973 h 6803962"/>
+              <a:gd name="connsiteX6" fmla="*/ 1537997 w 2888858"/>
+              <a:gd name="connsiteY6" fmla="*/ 5252432 h 6803962"/>
+              <a:gd name="connsiteX7" fmla="*/ 1488152 w 2888858"/>
+              <a:gd name="connsiteY7" fmla="*/ 6157808 h 6803962"/>
+              <a:gd name="connsiteX8" fmla="*/ 1644562 w 2888858"/>
+              <a:gd name="connsiteY8" fmla="*/ 6712550 h 6803962"/>
+              <a:gd name="connsiteX9" fmla="*/ 2762640 w 2888858"/>
+              <a:gd name="connsiteY9" fmla="*/ 6385550 h 6803962"/>
+              <a:gd name="connsiteX10" fmla="*/ 2790140 w 2888858"/>
+              <a:gd name="connsiteY10" fmla="*/ 2867602 h 6803962"/>
+              <a:gd name="connsiteX11" fmla="*/ 2112505 w 2888858"/>
+              <a:gd name="connsiteY11" fmla="*/ 410152 h 6803962"/>
+              <a:gd name="connsiteX12" fmla="*/ 1026655 w 2888858"/>
+              <a:gd name="connsiteY12" fmla="*/ 26430 h 6803962"/>
+              <a:gd name="connsiteX0" fmla="*/ 1304240 w 2886902"/>
+              <a:gd name="connsiteY0" fmla="*/ 67252 h 6733950"/>
+              <a:gd name="connsiteX1" fmla="*/ 740905 w 2886902"/>
+              <a:gd name="connsiteY1" fmla="*/ 230537 h 6733950"/>
+              <a:gd name="connsiteX2" fmla="*/ 63269 w 2886902"/>
+              <a:gd name="connsiteY2" fmla="*/ 1700109 h 6733950"/>
+              <a:gd name="connsiteX3" fmla="*/ 55105 w 2886902"/>
+              <a:gd name="connsiteY3" fmla="*/ 3039052 h 6733950"/>
+              <a:gd name="connsiteX4" fmla="*/ 291869 w 2886902"/>
+              <a:gd name="connsiteY4" fmla="*/ 3773837 h 6733950"/>
+              <a:gd name="connsiteX5" fmla="*/ 1245802 w 2886902"/>
+              <a:gd name="connsiteY5" fmla="*/ 3879973 h 6733950"/>
+              <a:gd name="connsiteX6" fmla="*/ 1537997 w 2886902"/>
+              <a:gd name="connsiteY6" fmla="*/ 5252432 h 6733950"/>
+              <a:gd name="connsiteX7" fmla="*/ 1488152 w 2886902"/>
+              <a:gd name="connsiteY7" fmla="*/ 6157808 h 6733950"/>
+              <a:gd name="connsiteX8" fmla="*/ 1674641 w 2886902"/>
+              <a:gd name="connsiteY8" fmla="*/ 6580203 h 6733950"/>
+              <a:gd name="connsiteX9" fmla="*/ 2762640 w 2886902"/>
+              <a:gd name="connsiteY9" fmla="*/ 6385550 h 6733950"/>
+              <a:gd name="connsiteX10" fmla="*/ 2790140 w 2886902"/>
+              <a:gd name="connsiteY10" fmla="*/ 2867602 h 6733950"/>
+              <a:gd name="connsiteX11" fmla="*/ 2112505 w 2886902"/>
+              <a:gd name="connsiteY11" fmla="*/ 410152 h 6733950"/>
+              <a:gd name="connsiteX12" fmla="*/ 1026655 w 2886902"/>
+              <a:gd name="connsiteY12" fmla="*/ 26430 h 6733950"/>
+              <a:gd name="connsiteX0" fmla="*/ 1304240 w 2858743"/>
+              <a:gd name="connsiteY0" fmla="*/ 67252 h 6627272"/>
+              <a:gd name="connsiteX1" fmla="*/ 740905 w 2858743"/>
+              <a:gd name="connsiteY1" fmla="*/ 230537 h 6627272"/>
+              <a:gd name="connsiteX2" fmla="*/ 63269 w 2858743"/>
+              <a:gd name="connsiteY2" fmla="*/ 1700109 h 6627272"/>
+              <a:gd name="connsiteX3" fmla="*/ 55105 w 2858743"/>
+              <a:gd name="connsiteY3" fmla="*/ 3039052 h 6627272"/>
+              <a:gd name="connsiteX4" fmla="*/ 291869 w 2858743"/>
+              <a:gd name="connsiteY4" fmla="*/ 3773837 h 6627272"/>
+              <a:gd name="connsiteX5" fmla="*/ 1245802 w 2858743"/>
+              <a:gd name="connsiteY5" fmla="*/ 3879973 h 6627272"/>
+              <a:gd name="connsiteX6" fmla="*/ 1537997 w 2858743"/>
+              <a:gd name="connsiteY6" fmla="*/ 5252432 h 6627272"/>
+              <a:gd name="connsiteX7" fmla="*/ 1488152 w 2858743"/>
+              <a:gd name="connsiteY7" fmla="*/ 6157808 h 6627272"/>
+              <a:gd name="connsiteX8" fmla="*/ 1674641 w 2858743"/>
+              <a:gd name="connsiteY8" fmla="*/ 6580203 h 6627272"/>
+              <a:gd name="connsiteX9" fmla="*/ 2762640 w 2858743"/>
+              <a:gd name="connsiteY9" fmla="*/ 6385550 h 6627272"/>
+              <a:gd name="connsiteX10" fmla="*/ 2790140 w 2858743"/>
+              <a:gd name="connsiteY10" fmla="*/ 2867602 h 6627272"/>
+              <a:gd name="connsiteX11" fmla="*/ 2112505 w 2858743"/>
+              <a:gd name="connsiteY11" fmla="*/ 410152 h 6627272"/>
+              <a:gd name="connsiteX12" fmla="*/ 1026655 w 2858743"/>
+              <a:gd name="connsiteY12" fmla="*/ 26430 h 6627272"/>
+              <a:gd name="connsiteX0" fmla="*/ 1304240 w 2823012"/>
+              <a:gd name="connsiteY0" fmla="*/ 66862 h 6626882"/>
+              <a:gd name="connsiteX1" fmla="*/ 740905 w 2823012"/>
+              <a:gd name="connsiteY1" fmla="*/ 230147 h 6626882"/>
+              <a:gd name="connsiteX2" fmla="*/ 63269 w 2823012"/>
+              <a:gd name="connsiteY2" fmla="*/ 1699719 h 6626882"/>
+              <a:gd name="connsiteX3" fmla="*/ 55105 w 2823012"/>
+              <a:gd name="connsiteY3" fmla="*/ 3038662 h 6626882"/>
+              <a:gd name="connsiteX4" fmla="*/ 291869 w 2823012"/>
+              <a:gd name="connsiteY4" fmla="*/ 3773447 h 6626882"/>
+              <a:gd name="connsiteX5" fmla="*/ 1245802 w 2823012"/>
+              <a:gd name="connsiteY5" fmla="*/ 3879583 h 6626882"/>
+              <a:gd name="connsiteX6" fmla="*/ 1537997 w 2823012"/>
+              <a:gd name="connsiteY6" fmla="*/ 5252042 h 6626882"/>
+              <a:gd name="connsiteX7" fmla="*/ 1488152 w 2823012"/>
+              <a:gd name="connsiteY7" fmla="*/ 6157418 h 6626882"/>
+              <a:gd name="connsiteX8" fmla="*/ 1674641 w 2823012"/>
+              <a:gd name="connsiteY8" fmla="*/ 6579813 h 6626882"/>
+              <a:gd name="connsiteX9" fmla="*/ 2762640 w 2823012"/>
+              <a:gd name="connsiteY9" fmla="*/ 6385160 h 6626882"/>
+              <a:gd name="connsiteX10" fmla="*/ 2790140 w 2823012"/>
+              <a:gd name="connsiteY10" fmla="*/ 2867212 h 6626882"/>
+              <a:gd name="connsiteX11" fmla="*/ 2680138 w 2823012"/>
+              <a:gd name="connsiteY11" fmla="*/ 2854321 h 6626882"/>
+              <a:gd name="connsiteX12" fmla="*/ 2112505 w 2823012"/>
+              <a:gd name="connsiteY12" fmla="*/ 409762 h 6626882"/>
+              <a:gd name="connsiteX13" fmla="*/ 1026655 w 2823012"/>
+              <a:gd name="connsiteY13" fmla="*/ 26040 h 6626882"/>
+              <a:gd name="connsiteX0" fmla="*/ 1307244 w 2826016"/>
+              <a:gd name="connsiteY0" fmla="*/ 66862 h 6626882"/>
+              <a:gd name="connsiteX1" fmla="*/ 786020 w 2826016"/>
+              <a:gd name="connsiteY1" fmla="*/ 500857 h 6626882"/>
+              <a:gd name="connsiteX2" fmla="*/ 66273 w 2826016"/>
+              <a:gd name="connsiteY2" fmla="*/ 1699719 h 6626882"/>
+              <a:gd name="connsiteX3" fmla="*/ 58109 w 2826016"/>
+              <a:gd name="connsiteY3" fmla="*/ 3038662 h 6626882"/>
+              <a:gd name="connsiteX4" fmla="*/ 294873 w 2826016"/>
+              <a:gd name="connsiteY4" fmla="*/ 3773447 h 6626882"/>
+              <a:gd name="connsiteX5" fmla="*/ 1248806 w 2826016"/>
+              <a:gd name="connsiteY5" fmla="*/ 3879583 h 6626882"/>
+              <a:gd name="connsiteX6" fmla="*/ 1541001 w 2826016"/>
+              <a:gd name="connsiteY6" fmla="*/ 5252042 h 6626882"/>
+              <a:gd name="connsiteX7" fmla="*/ 1491156 w 2826016"/>
+              <a:gd name="connsiteY7" fmla="*/ 6157418 h 6626882"/>
+              <a:gd name="connsiteX8" fmla="*/ 1677645 w 2826016"/>
+              <a:gd name="connsiteY8" fmla="*/ 6579813 h 6626882"/>
+              <a:gd name="connsiteX9" fmla="*/ 2765644 w 2826016"/>
+              <a:gd name="connsiteY9" fmla="*/ 6385160 h 6626882"/>
+              <a:gd name="connsiteX10" fmla="*/ 2793144 w 2826016"/>
+              <a:gd name="connsiteY10" fmla="*/ 2867212 h 6626882"/>
+              <a:gd name="connsiteX11" fmla="*/ 2683142 w 2826016"/>
+              <a:gd name="connsiteY11" fmla="*/ 2854321 h 6626882"/>
+              <a:gd name="connsiteX12" fmla="*/ 2115509 w 2826016"/>
+              <a:gd name="connsiteY12" fmla="*/ 409762 h 6626882"/>
+              <a:gd name="connsiteX13" fmla="*/ 1029659 w 2826016"/>
+              <a:gd name="connsiteY13" fmla="*/ 26040 h 6626882"/>
+              <a:gd name="connsiteX0" fmla="*/ 1722333 w 2826016"/>
+              <a:gd name="connsiteY0" fmla="*/ 379683 h 6626882"/>
+              <a:gd name="connsiteX1" fmla="*/ 786020 w 2826016"/>
+              <a:gd name="connsiteY1" fmla="*/ 500857 h 6626882"/>
+              <a:gd name="connsiteX2" fmla="*/ 66273 w 2826016"/>
+              <a:gd name="connsiteY2" fmla="*/ 1699719 h 6626882"/>
+              <a:gd name="connsiteX3" fmla="*/ 58109 w 2826016"/>
+              <a:gd name="connsiteY3" fmla="*/ 3038662 h 6626882"/>
+              <a:gd name="connsiteX4" fmla="*/ 294873 w 2826016"/>
+              <a:gd name="connsiteY4" fmla="*/ 3773447 h 6626882"/>
+              <a:gd name="connsiteX5" fmla="*/ 1248806 w 2826016"/>
+              <a:gd name="connsiteY5" fmla="*/ 3879583 h 6626882"/>
+              <a:gd name="connsiteX6" fmla="*/ 1541001 w 2826016"/>
+              <a:gd name="connsiteY6" fmla="*/ 5252042 h 6626882"/>
+              <a:gd name="connsiteX7" fmla="*/ 1491156 w 2826016"/>
+              <a:gd name="connsiteY7" fmla="*/ 6157418 h 6626882"/>
+              <a:gd name="connsiteX8" fmla="*/ 1677645 w 2826016"/>
+              <a:gd name="connsiteY8" fmla="*/ 6579813 h 6626882"/>
+              <a:gd name="connsiteX9" fmla="*/ 2765644 w 2826016"/>
+              <a:gd name="connsiteY9" fmla="*/ 6385160 h 6626882"/>
+              <a:gd name="connsiteX10" fmla="*/ 2793144 w 2826016"/>
+              <a:gd name="connsiteY10" fmla="*/ 2867212 h 6626882"/>
+              <a:gd name="connsiteX11" fmla="*/ 2683142 w 2826016"/>
+              <a:gd name="connsiteY11" fmla="*/ 2854321 h 6626882"/>
+              <a:gd name="connsiteX12" fmla="*/ 2115509 w 2826016"/>
+              <a:gd name="connsiteY12" fmla="*/ 409762 h 6626882"/>
+              <a:gd name="connsiteX13" fmla="*/ 1029659 w 2826016"/>
+              <a:gd name="connsiteY13" fmla="*/ 26040 h 6626882"/>
+              <a:gd name="connsiteX0" fmla="*/ 1722333 w 2830384"/>
+              <a:gd name="connsiteY0" fmla="*/ 379683 h 6677761"/>
+              <a:gd name="connsiteX1" fmla="*/ 786020 w 2830384"/>
+              <a:gd name="connsiteY1" fmla="*/ 500857 h 6677761"/>
+              <a:gd name="connsiteX2" fmla="*/ 66273 w 2830384"/>
+              <a:gd name="connsiteY2" fmla="*/ 1699719 h 6677761"/>
+              <a:gd name="connsiteX3" fmla="*/ 58109 w 2830384"/>
+              <a:gd name="connsiteY3" fmla="*/ 3038662 h 6677761"/>
+              <a:gd name="connsiteX4" fmla="*/ 294873 w 2830384"/>
+              <a:gd name="connsiteY4" fmla="*/ 3773447 h 6677761"/>
+              <a:gd name="connsiteX5" fmla="*/ 1248806 w 2830384"/>
+              <a:gd name="connsiteY5" fmla="*/ 3879583 h 6677761"/>
+              <a:gd name="connsiteX6" fmla="*/ 1541001 w 2830384"/>
+              <a:gd name="connsiteY6" fmla="*/ 5252042 h 6677761"/>
+              <a:gd name="connsiteX7" fmla="*/ 1491156 w 2830384"/>
+              <a:gd name="connsiteY7" fmla="*/ 6157418 h 6677761"/>
+              <a:gd name="connsiteX8" fmla="*/ 1677645 w 2830384"/>
+              <a:gd name="connsiteY8" fmla="*/ 6579813 h 6677761"/>
+              <a:gd name="connsiteX9" fmla="*/ 2765644 w 2830384"/>
+              <a:gd name="connsiteY9" fmla="*/ 6385160 h 6677761"/>
+              <a:gd name="connsiteX10" fmla="*/ 2702907 w 2830384"/>
+              <a:gd name="connsiteY10" fmla="*/ 3691375 h 6677761"/>
+              <a:gd name="connsiteX11" fmla="*/ 2683142 w 2830384"/>
+              <a:gd name="connsiteY11" fmla="*/ 2854321 h 6677761"/>
+              <a:gd name="connsiteX12" fmla="*/ 2115509 w 2830384"/>
+              <a:gd name="connsiteY12" fmla="*/ 409762 h 6677761"/>
+              <a:gd name="connsiteX13" fmla="*/ 1029659 w 2830384"/>
+              <a:gd name="connsiteY13" fmla="*/ 26040 h 6677761"/>
+              <a:gd name="connsiteX0" fmla="*/ 1722333 w 2834794"/>
+              <a:gd name="connsiteY0" fmla="*/ 374572 h 6672650"/>
+              <a:gd name="connsiteX1" fmla="*/ 786020 w 2834794"/>
+              <a:gd name="connsiteY1" fmla="*/ 495746 h 6672650"/>
+              <a:gd name="connsiteX2" fmla="*/ 66273 w 2834794"/>
+              <a:gd name="connsiteY2" fmla="*/ 1694608 h 6672650"/>
+              <a:gd name="connsiteX3" fmla="*/ 58109 w 2834794"/>
+              <a:gd name="connsiteY3" fmla="*/ 3033551 h 6672650"/>
+              <a:gd name="connsiteX4" fmla="*/ 294873 w 2834794"/>
+              <a:gd name="connsiteY4" fmla="*/ 3768336 h 6672650"/>
+              <a:gd name="connsiteX5" fmla="*/ 1248806 w 2834794"/>
+              <a:gd name="connsiteY5" fmla="*/ 3874472 h 6672650"/>
+              <a:gd name="connsiteX6" fmla="*/ 1541001 w 2834794"/>
+              <a:gd name="connsiteY6" fmla="*/ 5246931 h 6672650"/>
+              <a:gd name="connsiteX7" fmla="*/ 1491156 w 2834794"/>
+              <a:gd name="connsiteY7" fmla="*/ 6152307 h 6672650"/>
+              <a:gd name="connsiteX8" fmla="*/ 1677645 w 2834794"/>
+              <a:gd name="connsiteY8" fmla="*/ 6574702 h 6672650"/>
+              <a:gd name="connsiteX9" fmla="*/ 2765644 w 2834794"/>
+              <a:gd name="connsiteY9" fmla="*/ 6380049 h 6672650"/>
+              <a:gd name="connsiteX10" fmla="*/ 2702907 w 2834794"/>
+              <a:gd name="connsiteY10" fmla="*/ 3686264 h 6672650"/>
+              <a:gd name="connsiteX11" fmla="*/ 2532748 w 2834794"/>
+              <a:gd name="connsiteY11" fmla="*/ 2662721 h 6672650"/>
+              <a:gd name="connsiteX12" fmla="*/ 2115509 w 2834794"/>
+              <a:gd name="connsiteY12" fmla="*/ 404651 h 6672650"/>
+              <a:gd name="connsiteX13" fmla="*/ 1029659 w 2834794"/>
+              <a:gd name="connsiteY13" fmla="*/ 20929 h 6672650"/>
+              <a:gd name="connsiteX0" fmla="*/ 1722333 w 2834794"/>
+              <a:gd name="connsiteY0" fmla="*/ 374572 h 6672650"/>
+              <a:gd name="connsiteX1" fmla="*/ 786020 w 2834794"/>
+              <a:gd name="connsiteY1" fmla="*/ 495746 h 6672650"/>
+              <a:gd name="connsiteX2" fmla="*/ 66273 w 2834794"/>
+              <a:gd name="connsiteY2" fmla="*/ 1694608 h 6672650"/>
+              <a:gd name="connsiteX3" fmla="*/ 58109 w 2834794"/>
+              <a:gd name="connsiteY3" fmla="*/ 3033551 h 6672650"/>
+              <a:gd name="connsiteX4" fmla="*/ 294873 w 2834794"/>
+              <a:gd name="connsiteY4" fmla="*/ 3768336 h 6672650"/>
+              <a:gd name="connsiteX5" fmla="*/ 1248806 w 2834794"/>
+              <a:gd name="connsiteY5" fmla="*/ 3874472 h 6672650"/>
+              <a:gd name="connsiteX6" fmla="*/ 1541001 w 2834794"/>
+              <a:gd name="connsiteY6" fmla="*/ 5246931 h 6672650"/>
+              <a:gd name="connsiteX7" fmla="*/ 1491156 w 2834794"/>
+              <a:gd name="connsiteY7" fmla="*/ 6152307 h 6672650"/>
+              <a:gd name="connsiteX8" fmla="*/ 1677645 w 2834794"/>
+              <a:gd name="connsiteY8" fmla="*/ 6574702 h 6672650"/>
+              <a:gd name="connsiteX9" fmla="*/ 2765644 w 2834794"/>
+              <a:gd name="connsiteY9" fmla="*/ 6380049 h 6672650"/>
+              <a:gd name="connsiteX10" fmla="*/ 2702907 w 2834794"/>
+              <a:gd name="connsiteY10" fmla="*/ 3686264 h 6672650"/>
+              <a:gd name="connsiteX11" fmla="*/ 2532748 w 2834794"/>
+              <a:gd name="connsiteY11" fmla="*/ 2662721 h 6672650"/>
+              <a:gd name="connsiteX12" fmla="*/ 2115509 w 2834794"/>
+              <a:gd name="connsiteY12" fmla="*/ 404651 h 6672650"/>
+              <a:gd name="connsiteX13" fmla="*/ 1029659 w 2834794"/>
+              <a:gd name="connsiteY13" fmla="*/ 20929 h 6672650"/>
+              <a:gd name="connsiteX0" fmla="*/ 1722333 w 2834794"/>
+              <a:gd name="connsiteY0" fmla="*/ 355393 h 6653471"/>
+              <a:gd name="connsiteX1" fmla="*/ 786020 w 2834794"/>
+              <a:gd name="connsiteY1" fmla="*/ 476567 h 6653471"/>
+              <a:gd name="connsiteX2" fmla="*/ 66273 w 2834794"/>
+              <a:gd name="connsiteY2" fmla="*/ 1675429 h 6653471"/>
+              <a:gd name="connsiteX3" fmla="*/ 58109 w 2834794"/>
+              <a:gd name="connsiteY3" fmla="*/ 3014372 h 6653471"/>
+              <a:gd name="connsiteX4" fmla="*/ 294873 w 2834794"/>
+              <a:gd name="connsiteY4" fmla="*/ 3749157 h 6653471"/>
+              <a:gd name="connsiteX5" fmla="*/ 1248806 w 2834794"/>
+              <a:gd name="connsiteY5" fmla="*/ 3855293 h 6653471"/>
+              <a:gd name="connsiteX6" fmla="*/ 1541001 w 2834794"/>
+              <a:gd name="connsiteY6" fmla="*/ 5227752 h 6653471"/>
+              <a:gd name="connsiteX7" fmla="*/ 1491156 w 2834794"/>
+              <a:gd name="connsiteY7" fmla="*/ 6133128 h 6653471"/>
+              <a:gd name="connsiteX8" fmla="*/ 1677645 w 2834794"/>
+              <a:gd name="connsiteY8" fmla="*/ 6555523 h 6653471"/>
+              <a:gd name="connsiteX9" fmla="*/ 2765644 w 2834794"/>
+              <a:gd name="connsiteY9" fmla="*/ 6360870 h 6653471"/>
+              <a:gd name="connsiteX10" fmla="*/ 2702907 w 2834794"/>
+              <a:gd name="connsiteY10" fmla="*/ 3667085 h 6653471"/>
+              <a:gd name="connsiteX11" fmla="*/ 2532748 w 2834794"/>
+              <a:gd name="connsiteY11" fmla="*/ 2643542 h 6653471"/>
+              <a:gd name="connsiteX12" fmla="*/ 2308014 w 2834794"/>
+              <a:gd name="connsiteY12" fmla="*/ 1227683 h 6653471"/>
+              <a:gd name="connsiteX13" fmla="*/ 1029659 w 2834794"/>
+              <a:gd name="connsiteY13" fmla="*/ 1750 h 6653471"/>
+              <a:gd name="connsiteX0" fmla="*/ 1722333 w 2834794"/>
+              <a:gd name="connsiteY0" fmla="*/ 44437 h 6342515"/>
+              <a:gd name="connsiteX1" fmla="*/ 786020 w 2834794"/>
+              <a:gd name="connsiteY1" fmla="*/ 165611 h 6342515"/>
+              <a:gd name="connsiteX2" fmla="*/ 66273 w 2834794"/>
+              <a:gd name="connsiteY2" fmla="*/ 1364473 h 6342515"/>
+              <a:gd name="connsiteX3" fmla="*/ 58109 w 2834794"/>
+              <a:gd name="connsiteY3" fmla="*/ 2703416 h 6342515"/>
+              <a:gd name="connsiteX4" fmla="*/ 294873 w 2834794"/>
+              <a:gd name="connsiteY4" fmla="*/ 3438201 h 6342515"/>
+              <a:gd name="connsiteX5" fmla="*/ 1248806 w 2834794"/>
+              <a:gd name="connsiteY5" fmla="*/ 3544337 h 6342515"/>
+              <a:gd name="connsiteX6" fmla="*/ 1541001 w 2834794"/>
+              <a:gd name="connsiteY6" fmla="*/ 4916796 h 6342515"/>
+              <a:gd name="connsiteX7" fmla="*/ 1491156 w 2834794"/>
+              <a:gd name="connsiteY7" fmla="*/ 5822172 h 6342515"/>
+              <a:gd name="connsiteX8" fmla="*/ 1677645 w 2834794"/>
+              <a:gd name="connsiteY8" fmla="*/ 6244567 h 6342515"/>
+              <a:gd name="connsiteX9" fmla="*/ 2765644 w 2834794"/>
+              <a:gd name="connsiteY9" fmla="*/ 6049914 h 6342515"/>
+              <a:gd name="connsiteX10" fmla="*/ 2702907 w 2834794"/>
+              <a:gd name="connsiteY10" fmla="*/ 3356129 h 6342515"/>
+              <a:gd name="connsiteX11" fmla="*/ 2532748 w 2834794"/>
+              <a:gd name="connsiteY11" fmla="*/ 2332586 h 6342515"/>
+              <a:gd name="connsiteX12" fmla="*/ 2308014 w 2834794"/>
+              <a:gd name="connsiteY12" fmla="*/ 916727 h 6342515"/>
+              <a:gd name="connsiteX13" fmla="*/ 1739522 w 2834794"/>
+              <a:gd name="connsiteY13" fmla="*/ 57757 h 6342515"/>
+            </a:gdLst>
+            <a:ahLst/>
+            <a:cxnLst>
+              <a:cxn ang="0">
+                <a:pos x="connsiteX0" y="connsiteY0"/>
+              </a:cxn>
+              <a:cxn ang="0">
+                <a:pos x="connsiteX1" y="connsiteY1"/>
+              </a:cxn>
+              <a:cxn ang="0">
+                <a:pos x="connsiteX2" y="connsiteY2"/>
+              </a:cxn>
+              <a:cxn ang="0">
+                <a:pos x="connsiteX3" y="connsiteY3"/>
+              </a:cxn>
+              <a:cxn ang="0">
+                <a:pos x="connsiteX4" y="connsiteY4"/>
+              </a:cxn>
+              <a:cxn ang="0">
+                <a:pos x="connsiteX5" y="connsiteY5"/>
+              </a:cxn>
+              <a:cxn ang="0">
+                <a:pos x="connsiteX6" y="connsiteY6"/>
+              </a:cxn>
+              <a:cxn ang="0">
+                <a:pos x="connsiteX7" y="connsiteY7"/>
+              </a:cxn>
+              <a:cxn ang="0">
+                <a:pos x="connsiteX8" y="connsiteY8"/>
+              </a:cxn>
+              <a:cxn ang="0">
+                <a:pos x="connsiteX9" y="connsiteY9"/>
+              </a:cxn>
+              <a:cxn ang="0">
+                <a:pos x="connsiteX10" y="connsiteY10"/>
+              </a:cxn>
+              <a:cxn ang="0">
+                <a:pos x="connsiteX11" y="connsiteY11"/>
+              </a:cxn>
+              <a:cxn ang="0">
+                <a:pos x="connsiteX12" y="connsiteY12"/>
+              </a:cxn>
+              <a:cxn ang="0">
+                <a:pos x="connsiteX13" y="connsiteY13"/>
+              </a:cxn>
+            </a:cxnLst>
+            <a:rect l="l" t="t" r="r" b="b"/>
+            <a:pathLst>
+              <a:path w="2834794" h="6342515">
+                <a:moveTo>
+                  <a:pt x="1722333" y="44437"/>
+                </a:moveTo>
+                <a:cubicBezTo>
+                  <a:pt x="1544080" y="-9992"/>
+                  <a:pt x="1062030" y="-54395"/>
+                  <a:pt x="786020" y="165611"/>
+                </a:cubicBezTo>
+                <a:cubicBezTo>
+                  <a:pt x="510010" y="385617"/>
+                  <a:pt x="187592" y="941505"/>
+                  <a:pt x="66273" y="1364473"/>
+                </a:cubicBezTo>
+                <a:cubicBezTo>
+                  <a:pt x="-55046" y="1787441"/>
+                  <a:pt x="20009" y="2357795"/>
+                  <a:pt x="58109" y="2703416"/>
+                </a:cubicBezTo>
+                <a:cubicBezTo>
+                  <a:pt x="96209" y="3049037"/>
+                  <a:pt x="96424" y="3298048"/>
+                  <a:pt x="294873" y="3438201"/>
+                </a:cubicBezTo>
+                <a:cubicBezTo>
+                  <a:pt x="493323" y="3578355"/>
+                  <a:pt x="1041118" y="3297905"/>
+                  <a:pt x="1248806" y="3544337"/>
+                </a:cubicBezTo>
+                <a:cubicBezTo>
+                  <a:pt x="1456494" y="3790769"/>
+                  <a:pt x="1500609" y="4537157"/>
+                  <a:pt x="1541001" y="4916796"/>
+                </a:cubicBezTo>
+                <a:cubicBezTo>
+                  <a:pt x="1581393" y="5296435"/>
+                  <a:pt x="1468382" y="5600877"/>
+                  <a:pt x="1491156" y="5822172"/>
+                </a:cubicBezTo>
+                <a:cubicBezTo>
+                  <a:pt x="1513930" y="6043467"/>
+                  <a:pt x="1465230" y="6206610"/>
+                  <a:pt x="1677645" y="6244567"/>
+                </a:cubicBezTo>
+                <a:cubicBezTo>
+                  <a:pt x="1890060" y="6282524"/>
+                  <a:pt x="2594767" y="6531320"/>
+                  <a:pt x="2765644" y="6049914"/>
+                </a:cubicBezTo>
+                <a:cubicBezTo>
+                  <a:pt x="2936521" y="5568508"/>
+                  <a:pt x="2741723" y="3975684"/>
+                  <a:pt x="2702907" y="3356129"/>
+                </a:cubicBezTo>
+                <a:cubicBezTo>
+                  <a:pt x="2664091" y="2736574"/>
+                  <a:pt x="2621624" y="2760209"/>
+                  <a:pt x="2532748" y="2332586"/>
+                </a:cubicBezTo>
+                <a:cubicBezTo>
+                  <a:pt x="2419809" y="1923011"/>
+                  <a:pt x="2440218" y="1295865"/>
+                  <a:pt x="2308014" y="916727"/>
+                </a:cubicBezTo>
+                <a:cubicBezTo>
+                  <a:pt x="2175810" y="537589"/>
+                  <a:pt x="2135490" y="12853"/>
+                  <a:pt x="1739522" y="57757"/>
+                </a:cubicBezTo>
+              </a:path>
+            </a:pathLst>
+          </a:custGeom>
+          <a:noFill/>
+          <a:ln w="28575"/>
+          <a:effectLst>
+            <a:glow rad="101600">
+              <a:schemeClr val="accent1">
+                <a:satMod val="175000"/>
+                <a:alpha val="40000"/>
+              </a:schemeClr>
+            </a:glow>
+          </a:effectLst>
+        </p:spPr>
+        <p:style>
+          <a:lnRef idx="2">
+            <a:schemeClr val="accent1">
+              <a:shade val="50000"/>
+            </a:schemeClr>
+          </a:lnRef>
+          <a:fillRef idx="1">
+            <a:schemeClr val="accent1"/>
+          </a:fillRef>
+          <a:effectRef idx="0">
+            <a:schemeClr val="accent1"/>
+          </a:effectRef>
+          <a:fontRef idx="minor">
+            <a:schemeClr val="lt1"/>
+          </a:fontRef>
+        </p:style>
+        <p:txBody>
+          <a:bodyPr rtlCol="0" anchor="ctr"/>
+          <a:lstStyle/>
+          <a:p>
+            <a:pPr algn="ctr"/>
+            <a:endParaRPr lang="en-GB"/>
+          </a:p>
+        </p:txBody>
+      </p:sp>
+      <p:sp>
+        <p:nvSpPr>
+          <p:cNvPr id="8" name="Freeform: Shape 7">
+            <a:extLst>
+              <a:ext uri="{FF2B5EF4-FFF2-40B4-BE49-F238E27FC236}">
+                <a16:creationId xmlns:a16="http://schemas.microsoft.com/office/drawing/2014/main" id="{BFD94AB8-09AD-4348-B53C-471CD1D09745}"/>
+              </a:ext>
+            </a:extLst>
+          </p:cNvPr>
+          <p:cNvSpPr/>
+          <p:nvPr/>
+        </p:nvSpPr>
+        <p:spPr>
+          <a:xfrm>
+            <a:off x="4548207" y="3195111"/>
+            <a:ext cx="1522507" cy="3601419"/>
+          </a:xfrm>
+          <a:custGeom>
+            <a:avLst/>
+            <a:gdLst>
+              <a:gd name="connsiteX0" fmla="*/ 1265 w 2529784"/>
+              <a:gd name="connsiteY0" fmla="*/ 1143918 h 3585356"/>
+              <a:gd name="connsiteX1" fmla="*/ 205372 w 2529784"/>
+              <a:gd name="connsiteY1" fmla="*/ 2637982 h 3585356"/>
+              <a:gd name="connsiteX2" fmla="*/ 1111608 w 2529784"/>
+              <a:gd name="connsiteY2" fmla="*/ 3527890 h 3585356"/>
+              <a:gd name="connsiteX3" fmla="*/ 2483208 w 2529784"/>
+              <a:gd name="connsiteY3" fmla="*/ 3331947 h 3585356"/>
+              <a:gd name="connsiteX4" fmla="*/ 2148472 w 2529784"/>
+              <a:gd name="connsiteY4" fmla="*/ 1993004 h 3585356"/>
+              <a:gd name="connsiteX5" fmla="*/ 1552479 w 2529784"/>
+              <a:gd name="connsiteY5" fmla="*/ 131547 h 3585356"/>
+              <a:gd name="connsiteX6" fmla="*/ 254358 w 2529784"/>
+              <a:gd name="connsiteY6" fmla="*/ 262175 h 3585356"/>
+              <a:gd name="connsiteX7" fmla="*/ 1265 w 2529784"/>
+              <a:gd name="connsiteY7" fmla="*/ 1143918 h 3585356"/>
+              <a:gd name="connsiteX0" fmla="*/ 1265 w 2152263"/>
+              <a:gd name="connsiteY0" fmla="*/ 1143918 h 3574587"/>
+              <a:gd name="connsiteX1" fmla="*/ 205372 w 2152263"/>
+              <a:gd name="connsiteY1" fmla="*/ 2637982 h 3574587"/>
+              <a:gd name="connsiteX2" fmla="*/ 1111608 w 2152263"/>
+              <a:gd name="connsiteY2" fmla="*/ 3527890 h 3574587"/>
+              <a:gd name="connsiteX3" fmla="*/ 1773345 w 2152263"/>
+              <a:gd name="connsiteY3" fmla="*/ 3295853 h 3574587"/>
+              <a:gd name="connsiteX4" fmla="*/ 2148472 w 2152263"/>
+              <a:gd name="connsiteY4" fmla="*/ 1993004 h 3574587"/>
+              <a:gd name="connsiteX5" fmla="*/ 1552479 w 2152263"/>
+              <a:gd name="connsiteY5" fmla="*/ 131547 h 3574587"/>
+              <a:gd name="connsiteX6" fmla="*/ 254358 w 2152263"/>
+              <a:gd name="connsiteY6" fmla="*/ 262175 h 3574587"/>
+              <a:gd name="connsiteX7" fmla="*/ 1265 w 2152263"/>
+              <a:gd name="connsiteY7" fmla="*/ 1143918 h 3574587"/>
+              <a:gd name="connsiteX0" fmla="*/ 1265 w 1864580"/>
+              <a:gd name="connsiteY0" fmla="*/ 1143918 h 3574587"/>
+              <a:gd name="connsiteX1" fmla="*/ 205372 w 1864580"/>
+              <a:gd name="connsiteY1" fmla="*/ 2637982 h 3574587"/>
+              <a:gd name="connsiteX2" fmla="*/ 1111608 w 1864580"/>
+              <a:gd name="connsiteY2" fmla="*/ 3527890 h 3574587"/>
+              <a:gd name="connsiteX3" fmla="*/ 1773345 w 1864580"/>
+              <a:gd name="connsiteY3" fmla="*/ 3295853 h 3574587"/>
+              <a:gd name="connsiteX4" fmla="*/ 1835651 w 1864580"/>
+              <a:gd name="connsiteY4" fmla="*/ 1993004 h 3574587"/>
+              <a:gd name="connsiteX5" fmla="*/ 1552479 w 1864580"/>
+              <a:gd name="connsiteY5" fmla="*/ 131547 h 3574587"/>
+              <a:gd name="connsiteX6" fmla="*/ 254358 w 1864580"/>
+              <a:gd name="connsiteY6" fmla="*/ 262175 h 3574587"/>
+              <a:gd name="connsiteX7" fmla="*/ 1265 w 1864580"/>
+              <a:gd name="connsiteY7" fmla="*/ 1143918 h 3574587"/>
+              <a:gd name="connsiteX0" fmla="*/ 726 w 1875452"/>
+              <a:gd name="connsiteY0" fmla="*/ 1143918 h 3579603"/>
+              <a:gd name="connsiteX1" fmla="*/ 204833 w 1875452"/>
+              <a:gd name="connsiteY1" fmla="*/ 2637982 h 3579603"/>
+              <a:gd name="connsiteX2" fmla="*/ 912548 w 1875452"/>
+              <a:gd name="connsiteY2" fmla="*/ 3533906 h 3579603"/>
+              <a:gd name="connsiteX3" fmla="*/ 1772806 w 1875452"/>
+              <a:gd name="connsiteY3" fmla="*/ 3295853 h 3579603"/>
+              <a:gd name="connsiteX4" fmla="*/ 1835112 w 1875452"/>
+              <a:gd name="connsiteY4" fmla="*/ 1993004 h 3579603"/>
+              <a:gd name="connsiteX5" fmla="*/ 1551940 w 1875452"/>
+              <a:gd name="connsiteY5" fmla="*/ 131547 h 3579603"/>
+              <a:gd name="connsiteX6" fmla="*/ 253819 w 1875452"/>
+              <a:gd name="connsiteY6" fmla="*/ 262175 h 3579603"/>
+              <a:gd name="connsiteX7" fmla="*/ 726 w 1875452"/>
+              <a:gd name="connsiteY7" fmla="*/ 1143918 h 3579603"/>
+              <a:gd name="connsiteX0" fmla="*/ 5285 w 1880011"/>
+              <a:gd name="connsiteY0" fmla="*/ 1114654 h 3550339"/>
+              <a:gd name="connsiteX1" fmla="*/ 209392 w 1880011"/>
+              <a:gd name="connsiteY1" fmla="*/ 2608718 h 3550339"/>
+              <a:gd name="connsiteX2" fmla="*/ 917107 w 1880011"/>
+              <a:gd name="connsiteY2" fmla="*/ 3504642 h 3550339"/>
+              <a:gd name="connsiteX3" fmla="*/ 1777365 w 1880011"/>
+              <a:gd name="connsiteY3" fmla="*/ 3266589 h 3550339"/>
+              <a:gd name="connsiteX4" fmla="*/ 1839671 w 1880011"/>
+              <a:gd name="connsiteY4" fmla="*/ 1963740 h 3550339"/>
+              <a:gd name="connsiteX5" fmla="*/ 1556499 w 1880011"/>
+              <a:gd name="connsiteY5" fmla="*/ 102283 h 3550339"/>
+              <a:gd name="connsiteX6" fmla="*/ 372678 w 1880011"/>
+              <a:gd name="connsiteY6" fmla="*/ 377290 h 3550339"/>
+              <a:gd name="connsiteX7" fmla="*/ 5285 w 1880011"/>
+              <a:gd name="connsiteY7" fmla="*/ 1114654 h 3550339"/>
+              <a:gd name="connsiteX0" fmla="*/ 70794 w 1722936"/>
+              <a:gd name="connsiteY0" fmla="*/ 1652153 h 3564464"/>
+              <a:gd name="connsiteX1" fmla="*/ 52317 w 1722936"/>
+              <a:gd name="connsiteY1" fmla="*/ 2622843 h 3564464"/>
+              <a:gd name="connsiteX2" fmla="*/ 760032 w 1722936"/>
+              <a:gd name="connsiteY2" fmla="*/ 3518767 h 3564464"/>
+              <a:gd name="connsiteX3" fmla="*/ 1620290 w 1722936"/>
+              <a:gd name="connsiteY3" fmla="*/ 3280714 h 3564464"/>
+              <a:gd name="connsiteX4" fmla="*/ 1682596 w 1722936"/>
+              <a:gd name="connsiteY4" fmla="*/ 1977865 h 3564464"/>
+              <a:gd name="connsiteX5" fmla="*/ 1399424 w 1722936"/>
+              <a:gd name="connsiteY5" fmla="*/ 116408 h 3564464"/>
+              <a:gd name="connsiteX6" fmla="*/ 215603 w 1722936"/>
+              <a:gd name="connsiteY6" fmla="*/ 391415 h 3564464"/>
+              <a:gd name="connsiteX7" fmla="*/ 70794 w 1722936"/>
+              <a:gd name="connsiteY7" fmla="*/ 1652153 h 3564464"/>
+              <a:gd name="connsiteX0" fmla="*/ 16207 w 1668349"/>
+              <a:gd name="connsiteY0" fmla="*/ 1652153 h 3565338"/>
+              <a:gd name="connsiteX1" fmla="*/ 208282 w 1668349"/>
+              <a:gd name="connsiteY1" fmla="*/ 2610811 h 3565338"/>
+              <a:gd name="connsiteX2" fmla="*/ 705445 w 1668349"/>
+              <a:gd name="connsiteY2" fmla="*/ 3518767 h 3565338"/>
+              <a:gd name="connsiteX3" fmla="*/ 1565703 w 1668349"/>
+              <a:gd name="connsiteY3" fmla="*/ 3280714 h 3565338"/>
+              <a:gd name="connsiteX4" fmla="*/ 1628009 w 1668349"/>
+              <a:gd name="connsiteY4" fmla="*/ 1977865 h 3565338"/>
+              <a:gd name="connsiteX5" fmla="*/ 1344837 w 1668349"/>
+              <a:gd name="connsiteY5" fmla="*/ 116408 h 3565338"/>
+              <a:gd name="connsiteX6" fmla="*/ 161016 w 1668349"/>
+              <a:gd name="connsiteY6" fmla="*/ 391415 h 3565338"/>
+              <a:gd name="connsiteX7" fmla="*/ 16207 w 1668349"/>
+              <a:gd name="connsiteY7" fmla="*/ 1652153 h 3565338"/>
+              <a:gd name="connsiteX0" fmla="*/ 16207 w 1604927"/>
+              <a:gd name="connsiteY0" fmla="*/ 1652153 h 3564164"/>
+              <a:gd name="connsiteX1" fmla="*/ 208282 w 1604927"/>
+              <a:gd name="connsiteY1" fmla="*/ 2610811 h 3564164"/>
+              <a:gd name="connsiteX2" fmla="*/ 705445 w 1604927"/>
+              <a:gd name="connsiteY2" fmla="*/ 3518767 h 3564164"/>
+              <a:gd name="connsiteX3" fmla="*/ 1565703 w 1604927"/>
+              <a:gd name="connsiteY3" fmla="*/ 3280714 h 3564164"/>
+              <a:gd name="connsiteX4" fmla="*/ 1447535 w 1604927"/>
+              <a:gd name="connsiteY4" fmla="*/ 2019976 h 3564164"/>
+              <a:gd name="connsiteX5" fmla="*/ 1344837 w 1604927"/>
+              <a:gd name="connsiteY5" fmla="*/ 116408 h 3564164"/>
+              <a:gd name="connsiteX6" fmla="*/ 161016 w 1604927"/>
+              <a:gd name="connsiteY6" fmla="*/ 391415 h 3564164"/>
+              <a:gd name="connsiteX7" fmla="*/ 16207 w 1604927"/>
+              <a:gd name="connsiteY7" fmla="*/ 1652153 h 3564164"/>
+              <a:gd name="connsiteX0" fmla="*/ 9613 w 1601537"/>
+              <a:gd name="connsiteY0" fmla="*/ 1647169 h 3559180"/>
+              <a:gd name="connsiteX1" fmla="*/ 201688 w 1601537"/>
+              <a:gd name="connsiteY1" fmla="*/ 2605827 h 3559180"/>
+              <a:gd name="connsiteX2" fmla="*/ 698851 w 1601537"/>
+              <a:gd name="connsiteY2" fmla="*/ 3513783 h 3559180"/>
+              <a:gd name="connsiteX3" fmla="*/ 1559109 w 1601537"/>
+              <a:gd name="connsiteY3" fmla="*/ 3275730 h 3559180"/>
+              <a:gd name="connsiteX4" fmla="*/ 1440941 w 1601537"/>
+              <a:gd name="connsiteY4" fmla="*/ 2014992 h 3559180"/>
+              <a:gd name="connsiteX5" fmla="*/ 1187849 w 1601537"/>
+              <a:gd name="connsiteY5" fmla="*/ 117440 h 3559180"/>
+              <a:gd name="connsiteX6" fmla="*/ 154422 w 1601537"/>
+              <a:gd name="connsiteY6" fmla="*/ 386431 h 3559180"/>
+              <a:gd name="connsiteX7" fmla="*/ 9613 w 1601537"/>
+              <a:gd name="connsiteY7" fmla="*/ 1647169 h 3559180"/>
+              <a:gd name="connsiteX0" fmla="*/ 9613 w 1522507"/>
+              <a:gd name="connsiteY0" fmla="*/ 1647169 h 3601419"/>
+              <a:gd name="connsiteX1" fmla="*/ 201688 w 1522507"/>
+              <a:gd name="connsiteY1" fmla="*/ 2605827 h 3601419"/>
+              <a:gd name="connsiteX2" fmla="*/ 698851 w 1522507"/>
+              <a:gd name="connsiteY2" fmla="*/ 3513783 h 3601419"/>
+              <a:gd name="connsiteX3" fmla="*/ 1462856 w 1522507"/>
+              <a:gd name="connsiteY3" fmla="*/ 3396046 h 3601419"/>
+              <a:gd name="connsiteX4" fmla="*/ 1440941 w 1522507"/>
+              <a:gd name="connsiteY4" fmla="*/ 2014992 h 3601419"/>
+              <a:gd name="connsiteX5" fmla="*/ 1187849 w 1522507"/>
+              <a:gd name="connsiteY5" fmla="*/ 117440 h 3601419"/>
+              <a:gd name="connsiteX6" fmla="*/ 154422 w 1522507"/>
+              <a:gd name="connsiteY6" fmla="*/ 386431 h 3601419"/>
+              <a:gd name="connsiteX7" fmla="*/ 9613 w 1522507"/>
+              <a:gd name="connsiteY7" fmla="*/ 1647169 h 3601419"/>
+            </a:gdLst>
+            <a:ahLst/>
+            <a:cxnLst>
+              <a:cxn ang="0">
+                <a:pos x="connsiteX0" y="connsiteY0"/>
+              </a:cxn>
+              <a:cxn ang="0">
+                <a:pos x="connsiteX1" y="connsiteY1"/>
+              </a:cxn>
+              <a:cxn ang="0">
+                <a:pos x="connsiteX2" y="connsiteY2"/>
+              </a:cxn>
+              <a:cxn ang="0">
+                <a:pos x="connsiteX3" y="connsiteY3"/>
+              </a:cxn>
+              <a:cxn ang="0">
+                <a:pos x="connsiteX4" y="connsiteY4"/>
+              </a:cxn>
+              <a:cxn ang="0">
+                <a:pos x="connsiteX5" y="connsiteY5"/>
+              </a:cxn>
+              <a:cxn ang="0">
+                <a:pos x="connsiteX6" y="connsiteY6"/>
+              </a:cxn>
+              <a:cxn ang="0">
+                <a:pos x="connsiteX7" y="connsiteY7"/>
+              </a:cxn>
+            </a:cxnLst>
+            <a:rect l="l" t="t" r="r" b="b"/>
+            <a:pathLst>
+              <a:path w="1522507" h="3601419">
+                <a:moveTo>
+                  <a:pt x="9613" y="1647169"/>
+                </a:moveTo>
+                <a:cubicBezTo>
+                  <a:pt x="17491" y="2017068"/>
+                  <a:pt x="86815" y="2294725"/>
+                  <a:pt x="201688" y="2605827"/>
+                </a:cubicBezTo>
+                <a:cubicBezTo>
+                  <a:pt x="316561" y="2916929"/>
+                  <a:pt x="488656" y="3382080"/>
+                  <a:pt x="698851" y="3513783"/>
+                </a:cubicBezTo>
+                <a:cubicBezTo>
+                  <a:pt x="909046" y="3645486"/>
+                  <a:pt x="1339174" y="3645845"/>
+                  <a:pt x="1462856" y="3396046"/>
+                </a:cubicBezTo>
+                <a:cubicBezTo>
+                  <a:pt x="1586538" y="3146248"/>
+                  <a:pt x="1486775" y="2561426"/>
+                  <a:pt x="1440941" y="2014992"/>
+                </a:cubicBezTo>
+                <a:cubicBezTo>
+                  <a:pt x="1395107" y="1468558"/>
+                  <a:pt x="1503535" y="405911"/>
+                  <a:pt x="1187849" y="117440"/>
+                </a:cubicBezTo>
+                <a:cubicBezTo>
+                  <a:pt x="872163" y="-171031"/>
+                  <a:pt x="350795" y="131476"/>
+                  <a:pt x="154422" y="386431"/>
+                </a:cubicBezTo>
+                <a:cubicBezTo>
+                  <a:pt x="-41951" y="641386"/>
+                  <a:pt x="1735" y="1277270"/>
+                  <a:pt x="9613" y="1647169"/>
+                </a:cubicBezTo>
+                <a:close/>
+              </a:path>
+            </a:pathLst>
+          </a:custGeom>
+          <a:noFill/>
+          <a:ln w="28575">
+            <a:solidFill>
+              <a:srgbClr val="FF0000"/>
+            </a:solidFill>
+          </a:ln>
+          <a:effectLst>
+            <a:glow rad="101600">
+              <a:schemeClr val="accent2">
+                <a:satMod val="175000"/>
+                <a:alpha val="40000"/>
+              </a:schemeClr>
+            </a:glow>
+          </a:effectLst>
+        </p:spPr>
+        <p:style>
+          <a:lnRef idx="2">
+            <a:schemeClr val="accent1">
+              <a:shade val="50000"/>
+            </a:schemeClr>
+          </a:lnRef>
+          <a:fillRef idx="1">
+            <a:schemeClr val="accent1"/>
+          </a:fillRef>
+          <a:effectRef idx="0">
+            <a:schemeClr val="accent1"/>
+          </a:effectRef>
+          <a:fontRef idx="minor">
+            <a:schemeClr val="lt1"/>
+          </a:fontRef>
+        </p:style>
+        <p:txBody>
+          <a:bodyPr rtlCol="0" anchor="ctr"/>
+          <a:lstStyle/>
+          <a:p>
+            <a:pPr algn="ctr"/>
+            <a:endParaRPr lang="en-GB"/>
+          </a:p>
+        </p:txBody>
+      </p:sp>
+    </p:spTree>
+    <p:extLst>
+      <p:ext uri="{BB962C8B-B14F-4D97-AF65-F5344CB8AC3E}">
+        <p14:creationId xmlns:p14="http://schemas.microsoft.com/office/powerpoint/2010/main" val="3315169562"/>
+      </p:ext>
+    </p:extLst>
+  </p:cSld>
+  <p:clrMapOvr>
+    <a:masterClrMapping/>
+  </p:clrMapOvr>
+</p:sld>
+</file>
+
+<file path=ppt/slides/slide3.xml><?xml version="1.0" encoding="utf-8"?>
+<p:sld xmlns:a="http://schemas.openxmlformats.org/drawingml/2006/main" xmlns:r="http://schemas.openxmlformats.org/officeDocument/2006/relationships" xmlns:p="http://schemas.openxmlformats.org/presentationml/2006/main">
+  <p:cSld>
+    <p:spTree>
+      <p:nvGrpSpPr>
+        <p:cNvPr id="1" name=""/>
+        <p:cNvGrpSpPr/>
+        <p:nvPr/>
+      </p:nvGrpSpPr>
+      <p:grpSpPr>
+        <a:xfrm>
+          <a:off x="0" y="0"/>
+          <a:ext cx="0" cy="0"/>
+          <a:chOff x="0" y="0"/>
+          <a:chExt cx="0" cy="0"/>
+        </a:xfrm>
+      </p:grpSpPr>
+    </p:spTree>
+    <p:extLst>
+      <p:ext uri="{BB962C8B-B14F-4D97-AF65-F5344CB8AC3E}">
+        <p14:creationId xmlns:p14="http://schemas.microsoft.com/office/powerpoint/2010/main" val="982938261"/>
+      </p:ext>
+    </p:extLst>
+  </p:cSld>
+  <p:clrMapOvr>
+    <a:masterClrMapping/>
+  </p:clrMapOvr>
+</p:sld>
+</file>
+
 <file path=ppt/theme/theme1.xml><?xml version="1.0" encoding="utf-8"?>
 <a:theme xmlns:a="http://schemas.openxmlformats.org/drawingml/2006/main" name="Office Theme">
   <a:themeElements>
